--- a/카드 결제 처리 결과.pptx
+++ b/카드 결제 처리 결과.pptx
@@ -27,6 +27,7 @@
     <p:sldId id="275" r:id="rId21"/>
     <p:sldId id="276" r:id="rId22"/>
     <p:sldId id="277" r:id="rId23"/>
+    <p:sldId id="278" r:id="rId24"/>
   </p:sldIdLst>
   <p:sldSz cx="12192000" cy="6858000"/>
   <p:notesSz cx="6858000" cy="9144000"/>
@@ -8795,6 +8796,327 @@
 </p:sld>
 </file>
 
+<file path=ppt/slides/slide23.xml><?xml version="1.0" encoding="utf-8"?>
+<p:sld xmlns:a="http://schemas.openxmlformats.org/drawingml/2006/main" xmlns:r="http://schemas.openxmlformats.org/officeDocument/2006/relationships" xmlns:p="http://schemas.openxmlformats.org/presentationml/2006/main">
+  <p:cSld>
+    <p:spTree>
+      <p:nvGrpSpPr>
+        <p:cNvPr id="1" name=""/>
+        <p:cNvGrpSpPr/>
+        <p:nvPr/>
+      </p:nvGrpSpPr>
+      <p:grpSpPr>
+        <a:xfrm>
+          <a:off x="0" y="0"/>
+          <a:ext cx="0" cy="0"/>
+          <a:chOff x="0" y="0"/>
+          <a:chExt cx="0" cy="0"/>
+        </a:xfrm>
+      </p:grpSpPr>
+      <p:cxnSp>
+        <p:nvCxnSpPr>
+          <p:cNvPr id="5" name="직선 연결선 4">
+            <a:extLst>
+              <a:ext uri="{FF2B5EF4-FFF2-40B4-BE49-F238E27FC236}">
+                <a16:creationId xmlns:a16="http://schemas.microsoft.com/office/drawing/2014/main" id="{855503E2-1EFA-4058-833A-D00072075358}"/>
+              </a:ext>
+            </a:extLst>
+          </p:cNvPr>
+          <p:cNvCxnSpPr>
+            <a:cxnSpLocks/>
+          </p:cNvCxnSpPr>
+          <p:nvPr/>
+        </p:nvCxnSpPr>
+        <p:spPr>
+          <a:xfrm>
+            <a:off x="0" y="453222"/>
+            <a:ext cx="12192000" cy="0"/>
+          </a:xfrm>
+          <a:prstGeom prst="line">
+            <a:avLst/>
+          </a:prstGeom>
+          <a:ln w="28575"/>
+        </p:spPr>
+        <p:style>
+          <a:lnRef idx="1">
+            <a:schemeClr val="accent1"/>
+          </a:lnRef>
+          <a:fillRef idx="0">
+            <a:schemeClr val="accent1"/>
+          </a:fillRef>
+          <a:effectRef idx="0">
+            <a:schemeClr val="accent1"/>
+          </a:effectRef>
+          <a:fontRef idx="minor">
+            <a:schemeClr val="tx1"/>
+          </a:fontRef>
+        </p:style>
+      </p:cxnSp>
+      <p:sp>
+        <p:nvSpPr>
+          <p:cNvPr id="6" name="TextBox 5">
+            <a:extLst>
+              <a:ext uri="{FF2B5EF4-FFF2-40B4-BE49-F238E27FC236}">
+                <a16:creationId xmlns:a16="http://schemas.microsoft.com/office/drawing/2014/main" id="{C98F4F98-924C-4892-BEDB-DBF27A271573}"/>
+              </a:ext>
+            </a:extLst>
+          </p:cNvPr>
+          <p:cNvSpPr txBox="1"/>
+          <p:nvPr/>
+        </p:nvSpPr>
+        <p:spPr>
+          <a:xfrm>
+            <a:off x="-1" y="0"/>
+            <a:ext cx="12113703" cy="369332"/>
+          </a:xfrm>
+          <a:prstGeom prst="rect">
+            <a:avLst/>
+          </a:prstGeom>
+          <a:noFill/>
+        </p:spPr>
+        <p:txBody>
+          <a:bodyPr wrap="square" rtlCol="0">
+            <a:spAutoFit/>
+          </a:bodyPr>
+          <a:lstStyle/>
+          <a:p>
+            <a:r>
+              <a:rPr lang="ko-KR" altLang="en-US" dirty="0"/>
+              <a:t>부록 </a:t>
+            </a:r>
+            <a:r>
+              <a:rPr lang="en-US" altLang="ko-KR" dirty="0"/>
+              <a:t>1. </a:t>
+            </a:r>
+            <a:r>
+              <a:rPr lang="ko-KR" altLang="en-US" dirty="0"/>
+              <a:t>동시 결제 차단 테스트</a:t>
+            </a:r>
+          </a:p>
+        </p:txBody>
+      </p:sp>
+      <p:sp>
+        <p:nvSpPr>
+          <p:cNvPr id="10" name="TextBox 9">
+            <a:extLst>
+              <a:ext uri="{FF2B5EF4-FFF2-40B4-BE49-F238E27FC236}">
+                <a16:creationId xmlns:a16="http://schemas.microsoft.com/office/drawing/2014/main" id="{FFC3FB62-6DAE-4F88-8D2F-14D336806073}"/>
+              </a:ext>
+            </a:extLst>
+          </p:cNvPr>
+          <p:cNvSpPr txBox="1"/>
+          <p:nvPr/>
+        </p:nvSpPr>
+        <p:spPr>
+          <a:xfrm>
+            <a:off x="78297" y="557979"/>
+            <a:ext cx="12113703" cy="369332"/>
+          </a:xfrm>
+          <a:prstGeom prst="rect">
+            <a:avLst/>
+          </a:prstGeom>
+          <a:noFill/>
+        </p:spPr>
+        <p:txBody>
+          <a:bodyPr wrap="square" rtlCol="0">
+            <a:spAutoFit/>
+          </a:bodyPr>
+          <a:lstStyle/>
+          <a:p>
+            <a:r>
+              <a:rPr lang="en-US" altLang="ko-KR" dirty="0"/>
+              <a:t>config</a:t>
+            </a:r>
+            <a:r>
+              <a:rPr lang="ko-KR" altLang="en-US" dirty="0"/>
+              <a:t> 파일에 </a:t>
+            </a:r>
+            <a:r>
+              <a:rPr lang="en-US" altLang="ko-KR" dirty="0" err="1"/>
+              <a:t>timegap</a:t>
+            </a:r>
+            <a:r>
+              <a:rPr lang="en-US" altLang="ko-KR" dirty="0"/>
+              <a:t> = 3 </a:t>
+            </a:r>
+            <a:r>
+              <a:rPr lang="ko-KR" altLang="en-US" dirty="0"/>
+              <a:t>초로 설정</a:t>
+            </a:r>
+          </a:p>
+        </p:txBody>
+      </p:sp>
+      <p:sp>
+        <p:nvSpPr>
+          <p:cNvPr id="14" name="TextBox 13">
+            <a:extLst>
+              <a:ext uri="{FF2B5EF4-FFF2-40B4-BE49-F238E27FC236}">
+                <a16:creationId xmlns:a16="http://schemas.microsoft.com/office/drawing/2014/main" id="{27A5B24C-82C2-4511-93AA-307C52C3FEF3}"/>
+              </a:ext>
+            </a:extLst>
+          </p:cNvPr>
+          <p:cNvSpPr txBox="1"/>
+          <p:nvPr/>
+        </p:nvSpPr>
+        <p:spPr>
+          <a:xfrm>
+            <a:off x="78297" y="2063417"/>
+            <a:ext cx="6289706" cy="369332"/>
+          </a:xfrm>
+          <a:prstGeom prst="rect">
+            <a:avLst/>
+          </a:prstGeom>
+          <a:noFill/>
+        </p:spPr>
+        <p:txBody>
+          <a:bodyPr wrap="square" rtlCol="0">
+            <a:spAutoFit/>
+          </a:bodyPr>
+          <a:lstStyle/>
+          <a:p>
+            <a:r>
+              <a:rPr lang="ko-KR" altLang="en-US" dirty="0"/>
+              <a:t>연속으로 결제 요청을 하여 처리 실패를 확인 함</a:t>
+            </a:r>
+            <a:r>
+              <a:rPr lang="en-US" altLang="ko-KR" dirty="0"/>
+              <a:t>.</a:t>
+            </a:r>
+            <a:endParaRPr lang="ko-KR" altLang="en-US" dirty="0"/>
+          </a:p>
+        </p:txBody>
+      </p:sp>
+      <p:pic>
+        <p:nvPicPr>
+          <p:cNvPr id="4" name="그림 3">
+            <a:extLst>
+              <a:ext uri="{FF2B5EF4-FFF2-40B4-BE49-F238E27FC236}">
+                <a16:creationId xmlns:a16="http://schemas.microsoft.com/office/drawing/2014/main" id="{524AFF8C-1FB0-4091-B50C-C42282DEB3A6}"/>
+              </a:ext>
+            </a:extLst>
+          </p:cNvPr>
+          <p:cNvPicPr>
+            <a:picLocks noChangeAspect="1"/>
+          </p:cNvPicPr>
+          <p:nvPr/>
+        </p:nvPicPr>
+        <p:blipFill>
+          <a:blip r:embed="rId2"/>
+          <a:stretch>
+            <a:fillRect/>
+          </a:stretch>
+        </p:blipFill>
+        <p:spPr>
+          <a:xfrm>
+            <a:off x="178206" y="943008"/>
+            <a:ext cx="3982006" cy="800212"/>
+          </a:xfrm>
+          <a:prstGeom prst="rect">
+            <a:avLst/>
+          </a:prstGeom>
+        </p:spPr>
+      </p:pic>
+      <p:sp>
+        <p:nvSpPr>
+          <p:cNvPr id="12" name="직사각형 11">
+            <a:extLst>
+              <a:ext uri="{FF2B5EF4-FFF2-40B4-BE49-F238E27FC236}">
+                <a16:creationId xmlns:a16="http://schemas.microsoft.com/office/drawing/2014/main" id="{67101672-8759-43F9-AA5F-FE07170907D5}"/>
+              </a:ext>
+            </a:extLst>
+          </p:cNvPr>
+          <p:cNvSpPr/>
+          <p:nvPr/>
+        </p:nvSpPr>
+        <p:spPr>
+          <a:xfrm>
+            <a:off x="78298" y="1447871"/>
+            <a:ext cx="1012272" cy="137648"/>
+          </a:xfrm>
+          <a:prstGeom prst="rect">
+            <a:avLst/>
+          </a:prstGeom>
+          <a:noFill/>
+          <a:ln>
+            <a:solidFill>
+              <a:srgbClr val="FF0000"/>
+            </a:solidFill>
+          </a:ln>
+        </p:spPr>
+        <p:style>
+          <a:lnRef idx="2">
+            <a:schemeClr val="accent1">
+              <a:shade val="50000"/>
+            </a:schemeClr>
+          </a:lnRef>
+          <a:fillRef idx="1">
+            <a:schemeClr val="accent1"/>
+          </a:fillRef>
+          <a:effectRef idx="0">
+            <a:schemeClr val="accent1"/>
+          </a:effectRef>
+          <a:fontRef idx="minor">
+            <a:schemeClr val="lt1"/>
+          </a:fontRef>
+        </p:style>
+        <p:txBody>
+          <a:bodyPr rtlCol="0" anchor="ctr"/>
+          <a:lstStyle/>
+          <a:p>
+            <a:pPr marL="342900" indent="-342900">
+              <a:buAutoNum type="arabicPeriod"/>
+            </a:pPr>
+            <a:endParaRPr lang="en-US" altLang="ko-KR" dirty="0">
+              <a:solidFill>
+                <a:schemeClr val="tx1"/>
+              </a:solidFill>
+            </a:endParaRPr>
+          </a:p>
+        </p:txBody>
+      </p:sp>
+      <p:pic>
+        <p:nvPicPr>
+          <p:cNvPr id="9" name="그림 8">
+            <a:extLst>
+              <a:ext uri="{FF2B5EF4-FFF2-40B4-BE49-F238E27FC236}">
+                <a16:creationId xmlns:a16="http://schemas.microsoft.com/office/drawing/2014/main" id="{10C3DC69-1D20-45FD-820C-1153A4A116FE}"/>
+              </a:ext>
+            </a:extLst>
+          </p:cNvPr>
+          <p:cNvPicPr>
+            <a:picLocks noChangeAspect="1"/>
+          </p:cNvPicPr>
+          <p:nvPr/>
+        </p:nvPicPr>
+        <p:blipFill>
+          <a:blip r:embed="rId3"/>
+          <a:stretch>
+            <a:fillRect/>
+          </a:stretch>
+        </p:blipFill>
+        <p:spPr>
+          <a:xfrm>
+            <a:off x="178206" y="2471604"/>
+            <a:ext cx="8945223" cy="1914792"/>
+          </a:xfrm>
+          <a:prstGeom prst="rect">
+            <a:avLst/>
+          </a:prstGeom>
+        </p:spPr>
+      </p:pic>
+    </p:spTree>
+    <p:extLst>
+      <p:ext uri="{BB962C8B-B14F-4D97-AF65-F5344CB8AC3E}">
+        <p14:creationId xmlns:p14="http://schemas.microsoft.com/office/powerpoint/2010/main" val="1174771486"/>
+      </p:ext>
+    </p:extLst>
+  </p:cSld>
+  <p:clrMapOvr>
+    <a:masterClrMapping/>
+  </p:clrMapOvr>
+</p:sld>
+</file>
+
 <file path=ppt/slides/slide3.xml><?xml version="1.0" encoding="utf-8"?>
 <p:sld xmlns:a="http://schemas.openxmlformats.org/drawingml/2006/main" xmlns:r="http://schemas.openxmlformats.org/officeDocument/2006/relationships" xmlns:p="http://schemas.openxmlformats.org/presentationml/2006/main">
   <p:cSld>

--- a/카드 결제 처리 결과.pptx
+++ b/카드 결제 처리 결과.pptx
@@ -28,6 +28,7 @@
     <p:sldId id="276" r:id="rId22"/>
     <p:sldId id="277" r:id="rId23"/>
     <p:sldId id="278" r:id="rId24"/>
+    <p:sldId id="279" r:id="rId25"/>
   </p:sldIdLst>
   <p:sldSz cx="12192000" cy="6858000"/>
   <p:notesSz cx="6858000" cy="9144000"/>
@@ -9117,6 +9118,327 @@
 </p:sld>
 </file>
 
+<file path=ppt/slides/slide24.xml><?xml version="1.0" encoding="utf-8"?>
+<p:sld xmlns:a="http://schemas.openxmlformats.org/drawingml/2006/main" xmlns:r="http://schemas.openxmlformats.org/officeDocument/2006/relationships" xmlns:p="http://schemas.openxmlformats.org/presentationml/2006/main">
+  <p:cSld>
+    <p:spTree>
+      <p:nvGrpSpPr>
+        <p:cNvPr id="1" name=""/>
+        <p:cNvGrpSpPr/>
+        <p:nvPr/>
+      </p:nvGrpSpPr>
+      <p:grpSpPr>
+        <a:xfrm>
+          <a:off x="0" y="0"/>
+          <a:ext cx="0" cy="0"/>
+          <a:chOff x="0" y="0"/>
+          <a:chExt cx="0" cy="0"/>
+        </a:xfrm>
+      </p:grpSpPr>
+      <p:cxnSp>
+        <p:nvCxnSpPr>
+          <p:cNvPr id="5" name="직선 연결선 4">
+            <a:extLst>
+              <a:ext uri="{FF2B5EF4-FFF2-40B4-BE49-F238E27FC236}">
+                <a16:creationId xmlns:a16="http://schemas.microsoft.com/office/drawing/2014/main" id="{855503E2-1EFA-4058-833A-D00072075358}"/>
+              </a:ext>
+            </a:extLst>
+          </p:cNvPr>
+          <p:cNvCxnSpPr>
+            <a:cxnSpLocks/>
+          </p:cNvCxnSpPr>
+          <p:nvPr/>
+        </p:nvCxnSpPr>
+        <p:spPr>
+          <a:xfrm>
+            <a:off x="0" y="453222"/>
+            <a:ext cx="12192000" cy="0"/>
+          </a:xfrm>
+          <a:prstGeom prst="line">
+            <a:avLst/>
+          </a:prstGeom>
+          <a:ln w="28575"/>
+        </p:spPr>
+        <p:style>
+          <a:lnRef idx="1">
+            <a:schemeClr val="accent1"/>
+          </a:lnRef>
+          <a:fillRef idx="0">
+            <a:schemeClr val="accent1"/>
+          </a:fillRef>
+          <a:effectRef idx="0">
+            <a:schemeClr val="accent1"/>
+          </a:effectRef>
+          <a:fontRef idx="minor">
+            <a:schemeClr val="tx1"/>
+          </a:fontRef>
+        </p:style>
+      </p:cxnSp>
+      <p:sp>
+        <p:nvSpPr>
+          <p:cNvPr id="6" name="TextBox 5">
+            <a:extLst>
+              <a:ext uri="{FF2B5EF4-FFF2-40B4-BE49-F238E27FC236}">
+                <a16:creationId xmlns:a16="http://schemas.microsoft.com/office/drawing/2014/main" id="{C98F4F98-924C-4892-BEDB-DBF27A271573}"/>
+              </a:ext>
+            </a:extLst>
+          </p:cNvPr>
+          <p:cNvSpPr txBox="1"/>
+          <p:nvPr/>
+        </p:nvSpPr>
+        <p:spPr>
+          <a:xfrm>
+            <a:off x="-1" y="0"/>
+            <a:ext cx="12113703" cy="369332"/>
+          </a:xfrm>
+          <a:prstGeom prst="rect">
+            <a:avLst/>
+          </a:prstGeom>
+          <a:noFill/>
+        </p:spPr>
+        <p:txBody>
+          <a:bodyPr wrap="square" rtlCol="0">
+            <a:spAutoFit/>
+          </a:bodyPr>
+          <a:lstStyle/>
+          <a:p>
+            <a:r>
+              <a:rPr lang="ko-KR" altLang="en-US" dirty="0"/>
+              <a:t>부록 </a:t>
+            </a:r>
+            <a:r>
+              <a:rPr lang="en-US" altLang="ko-KR" dirty="0"/>
+              <a:t>2. </a:t>
+            </a:r>
+            <a:r>
+              <a:rPr lang="ko-KR" altLang="en-US" dirty="0"/>
+              <a:t>동시 취소 차단 테스트</a:t>
+            </a:r>
+          </a:p>
+        </p:txBody>
+      </p:sp>
+      <p:sp>
+        <p:nvSpPr>
+          <p:cNvPr id="10" name="TextBox 9">
+            <a:extLst>
+              <a:ext uri="{FF2B5EF4-FFF2-40B4-BE49-F238E27FC236}">
+                <a16:creationId xmlns:a16="http://schemas.microsoft.com/office/drawing/2014/main" id="{FFC3FB62-6DAE-4F88-8D2F-14D336806073}"/>
+              </a:ext>
+            </a:extLst>
+          </p:cNvPr>
+          <p:cNvSpPr txBox="1"/>
+          <p:nvPr/>
+        </p:nvSpPr>
+        <p:spPr>
+          <a:xfrm>
+            <a:off x="78297" y="557979"/>
+            <a:ext cx="12113703" cy="369332"/>
+          </a:xfrm>
+          <a:prstGeom prst="rect">
+            <a:avLst/>
+          </a:prstGeom>
+          <a:noFill/>
+        </p:spPr>
+        <p:txBody>
+          <a:bodyPr wrap="square" rtlCol="0">
+            <a:spAutoFit/>
+          </a:bodyPr>
+          <a:lstStyle/>
+          <a:p>
+            <a:r>
+              <a:rPr lang="en-US" altLang="ko-KR" dirty="0"/>
+              <a:t>config</a:t>
+            </a:r>
+            <a:r>
+              <a:rPr lang="ko-KR" altLang="en-US" dirty="0"/>
+              <a:t> 파일에 </a:t>
+            </a:r>
+            <a:r>
+              <a:rPr lang="en-US" altLang="ko-KR" dirty="0" err="1"/>
+              <a:t>timegap</a:t>
+            </a:r>
+            <a:r>
+              <a:rPr lang="en-US" altLang="ko-KR" dirty="0"/>
+              <a:t> = 3 </a:t>
+            </a:r>
+            <a:r>
+              <a:rPr lang="ko-KR" altLang="en-US" dirty="0"/>
+              <a:t>초로 설정</a:t>
+            </a:r>
+          </a:p>
+        </p:txBody>
+      </p:sp>
+      <p:sp>
+        <p:nvSpPr>
+          <p:cNvPr id="14" name="TextBox 13">
+            <a:extLst>
+              <a:ext uri="{FF2B5EF4-FFF2-40B4-BE49-F238E27FC236}">
+                <a16:creationId xmlns:a16="http://schemas.microsoft.com/office/drawing/2014/main" id="{27A5B24C-82C2-4511-93AA-307C52C3FEF3}"/>
+              </a:ext>
+            </a:extLst>
+          </p:cNvPr>
+          <p:cNvSpPr txBox="1"/>
+          <p:nvPr/>
+        </p:nvSpPr>
+        <p:spPr>
+          <a:xfrm>
+            <a:off x="78297" y="2063417"/>
+            <a:ext cx="6289706" cy="369332"/>
+          </a:xfrm>
+          <a:prstGeom prst="rect">
+            <a:avLst/>
+          </a:prstGeom>
+          <a:noFill/>
+        </p:spPr>
+        <p:txBody>
+          <a:bodyPr wrap="square" rtlCol="0">
+            <a:spAutoFit/>
+          </a:bodyPr>
+          <a:lstStyle/>
+          <a:p>
+            <a:r>
+              <a:rPr lang="ko-KR" altLang="en-US" dirty="0"/>
+              <a:t>연속으로 취소 요청을 하여 처리 실패를 확인 함</a:t>
+            </a:r>
+            <a:r>
+              <a:rPr lang="en-US" altLang="ko-KR" dirty="0"/>
+              <a:t>.</a:t>
+            </a:r>
+            <a:endParaRPr lang="ko-KR" altLang="en-US" dirty="0"/>
+          </a:p>
+        </p:txBody>
+      </p:sp>
+      <p:pic>
+        <p:nvPicPr>
+          <p:cNvPr id="4" name="그림 3">
+            <a:extLst>
+              <a:ext uri="{FF2B5EF4-FFF2-40B4-BE49-F238E27FC236}">
+                <a16:creationId xmlns:a16="http://schemas.microsoft.com/office/drawing/2014/main" id="{524AFF8C-1FB0-4091-B50C-C42282DEB3A6}"/>
+              </a:ext>
+            </a:extLst>
+          </p:cNvPr>
+          <p:cNvPicPr>
+            <a:picLocks noChangeAspect="1"/>
+          </p:cNvPicPr>
+          <p:nvPr/>
+        </p:nvPicPr>
+        <p:blipFill>
+          <a:blip r:embed="rId2"/>
+          <a:stretch>
+            <a:fillRect/>
+          </a:stretch>
+        </p:blipFill>
+        <p:spPr>
+          <a:xfrm>
+            <a:off x="178206" y="943008"/>
+            <a:ext cx="3982006" cy="800212"/>
+          </a:xfrm>
+          <a:prstGeom prst="rect">
+            <a:avLst/>
+          </a:prstGeom>
+        </p:spPr>
+      </p:pic>
+      <p:sp>
+        <p:nvSpPr>
+          <p:cNvPr id="12" name="직사각형 11">
+            <a:extLst>
+              <a:ext uri="{FF2B5EF4-FFF2-40B4-BE49-F238E27FC236}">
+                <a16:creationId xmlns:a16="http://schemas.microsoft.com/office/drawing/2014/main" id="{67101672-8759-43F9-AA5F-FE07170907D5}"/>
+              </a:ext>
+            </a:extLst>
+          </p:cNvPr>
+          <p:cNvSpPr/>
+          <p:nvPr/>
+        </p:nvSpPr>
+        <p:spPr>
+          <a:xfrm>
+            <a:off x="78298" y="1447871"/>
+            <a:ext cx="1012272" cy="137648"/>
+          </a:xfrm>
+          <a:prstGeom prst="rect">
+            <a:avLst/>
+          </a:prstGeom>
+          <a:noFill/>
+          <a:ln>
+            <a:solidFill>
+              <a:srgbClr val="FF0000"/>
+            </a:solidFill>
+          </a:ln>
+        </p:spPr>
+        <p:style>
+          <a:lnRef idx="2">
+            <a:schemeClr val="accent1">
+              <a:shade val="50000"/>
+            </a:schemeClr>
+          </a:lnRef>
+          <a:fillRef idx="1">
+            <a:schemeClr val="accent1"/>
+          </a:fillRef>
+          <a:effectRef idx="0">
+            <a:schemeClr val="accent1"/>
+          </a:effectRef>
+          <a:fontRef idx="minor">
+            <a:schemeClr val="lt1"/>
+          </a:fontRef>
+        </p:style>
+        <p:txBody>
+          <a:bodyPr rtlCol="0" anchor="ctr"/>
+          <a:lstStyle/>
+          <a:p>
+            <a:pPr marL="342900" indent="-342900">
+              <a:buAutoNum type="arabicPeriod"/>
+            </a:pPr>
+            <a:endParaRPr lang="en-US" altLang="ko-KR" dirty="0">
+              <a:solidFill>
+                <a:schemeClr val="tx1"/>
+              </a:solidFill>
+            </a:endParaRPr>
+          </a:p>
+        </p:txBody>
+      </p:sp>
+      <p:pic>
+        <p:nvPicPr>
+          <p:cNvPr id="3" name="그림 2">
+            <a:extLst>
+              <a:ext uri="{FF2B5EF4-FFF2-40B4-BE49-F238E27FC236}">
+                <a16:creationId xmlns:a16="http://schemas.microsoft.com/office/drawing/2014/main" id="{F40B1B12-F1CE-475D-84E4-3B7023DCD6F5}"/>
+              </a:ext>
+            </a:extLst>
+          </p:cNvPr>
+          <p:cNvPicPr>
+            <a:picLocks noChangeAspect="1"/>
+          </p:cNvPicPr>
+          <p:nvPr/>
+        </p:nvPicPr>
+        <p:blipFill>
+          <a:blip r:embed="rId3"/>
+          <a:stretch>
+            <a:fillRect/>
+          </a:stretch>
+        </p:blipFill>
+        <p:spPr>
+          <a:xfrm>
+            <a:off x="178206" y="2549537"/>
+            <a:ext cx="7640116" cy="2038635"/>
+          </a:xfrm>
+          <a:prstGeom prst="rect">
+            <a:avLst/>
+          </a:prstGeom>
+        </p:spPr>
+      </p:pic>
+    </p:spTree>
+    <p:extLst>
+      <p:ext uri="{BB962C8B-B14F-4D97-AF65-F5344CB8AC3E}">
+        <p14:creationId xmlns:p14="http://schemas.microsoft.com/office/powerpoint/2010/main" val="3783757347"/>
+      </p:ext>
+    </p:extLst>
+  </p:cSld>
+  <p:clrMapOvr>
+    <a:masterClrMapping/>
+  </p:clrMapOvr>
+</p:sld>
+</file>
+
 <file path=ppt/slides/slide3.xml><?xml version="1.0" encoding="utf-8"?>
 <p:sld xmlns:a="http://schemas.openxmlformats.org/drawingml/2006/main" xmlns:r="http://schemas.openxmlformats.org/officeDocument/2006/relationships" xmlns:p="http://schemas.openxmlformats.org/presentationml/2006/main">
   <p:cSld>
